--- a/Agenda Materials/onedm-agenda-2023-06-12.pptx
+++ b/Agenda Materials/onedm-agenda-2023-06-12.pptx
@@ -7404,8 +7404,8 @@
         </p:nvSpPr>
         <p:spPr>
           <a:xfrm>
-            <a:off x="861848" y="1555530"/>
-            <a:ext cx="7998372" cy="4824249"/>
+            <a:off x="685142" y="1366344"/>
+            <a:ext cx="7672552" cy="4824249"/>
           </a:xfrm>
         </p:spPr>
         <p:txBody>
@@ -7414,39 +7414,137 @@
           </a:bodyPr>
           <a:lstStyle/>
           <a:p>
-            <a:r>
-              <a:rPr lang="en-GB" sz="2000" dirty="0"/>
+            <a:pPr lvl="1"/>
+            <a:r>
+              <a:rPr lang="en-GB" sz="1600" dirty="0"/>
               <a:t>Welcome</a:t>
             </a:r>
-            <a:endParaRPr lang="en-GB" sz="2400" dirty="0"/>
-          </a:p>
-          <a:p>
-            <a:r>
-              <a:rPr lang="en-GB" sz="2000" dirty="0"/>
+            <a:endParaRPr lang="en-GB" sz="2000" dirty="0"/>
+          </a:p>
+          <a:p>
+            <a:pPr lvl="1"/>
+            <a:r>
+              <a:rPr lang="en-GB" sz="1600" dirty="0"/>
               <a:t>Calendar and updates</a:t>
             </a:r>
           </a:p>
           <a:p>
-            <a:r>
-              <a:rPr lang="en-GB" sz="2000" dirty="0"/>
+            <a:pPr lvl="2"/>
+            <a:r>
+              <a:rPr lang="en-GB" sz="1200" dirty="0" err="1"/>
+              <a:t>Ietf</a:t>
+            </a:r>
+            <a:r>
+              <a:rPr lang="en-GB" sz="1200" dirty="0"/>
+              <a:t> 117 san Francisco July</a:t>
+            </a:r>
+          </a:p>
+          <a:p>
+            <a:pPr lvl="2"/>
+            <a:r>
+              <a:rPr lang="en-GB" sz="1200" dirty="0"/>
+              <a:t>(new spec) </a:t>
+            </a:r>
+            <a:r>
+              <a:rPr lang="en-GB" sz="1200" dirty="0" err="1"/>
+              <a:t>openADR</a:t>
+            </a:r>
+            <a:r>
+              <a:rPr lang="en-GB" sz="1200" dirty="0"/>
+              <a:t> in SDF? Draft availability soon</a:t>
+            </a:r>
+          </a:p>
+          <a:p>
+            <a:pPr lvl="1"/>
+            <a:r>
+              <a:rPr lang="en-GB" sz="1600" dirty="0"/>
               <a:t>Report on Bluetooth Mesh </a:t>
             </a:r>
           </a:p>
           <a:p>
-            <a:r>
-              <a:rPr lang="en-GB" sz="2000" dirty="0"/>
-              <a:t>SDF design team </a:t>
-            </a:r>
-          </a:p>
-          <a:p>
-            <a:r>
-              <a:rPr lang="en-GB" sz="2000" dirty="0"/>
+            <a:pPr lvl="2"/>
+            <a:r>
+              <a:rPr lang="en-GB" sz="1200" dirty="0"/>
+              <a:t>Conversion study complete, can convert characteristics, don't have mesh models in YAML, but if they did exist, the translator will work, there are some small issues e.g. Boolean mapping to 0,1. There is an internal report that can be published with the content after some internal review</a:t>
+            </a:r>
+          </a:p>
+          <a:p>
+            <a:pPr lvl="2"/>
+            <a:r>
+              <a:rPr lang="en-GB" sz="1200" dirty="0"/>
+              <a:t>Get a complete list of models for the Bluetooth to a </a:t>
+            </a:r>
+            <a:r>
+              <a:rPr lang="en-GB" sz="1200" dirty="0" err="1"/>
+              <a:t>onedm</a:t>
+            </a:r>
+            <a:r>
+              <a:rPr lang="en-GB" sz="1200" dirty="0"/>
+              <a:t> repo world plus sync on update, make it useful to Bluetooth </a:t>
+            </a:r>
+          </a:p>
+          <a:p>
+            <a:pPr lvl="2"/>
+            <a:r>
+              <a:rPr lang="en-GB" sz="1200" dirty="0"/>
+              <a:t>Follow up with </a:t>
+            </a:r>
+            <a:r>
+              <a:rPr lang="en-GB" sz="1200" dirty="0" err="1"/>
+              <a:t>Szymon</a:t>
+            </a:r>
+            <a:r>
+              <a:rPr lang="en-GB" sz="1200" dirty="0"/>
+              <a:t> – exceptions to structure and patterns – feedback on these</a:t>
+            </a:r>
+          </a:p>
+          <a:p>
+            <a:pPr lvl="1"/>
+            <a:r>
+              <a:rPr lang="en-GB" sz="1600" dirty="0"/>
+              <a:t>SDF design team</a:t>
+            </a:r>
+          </a:p>
+          <a:p>
+            <a:pPr lvl="2"/>
+            <a:r>
+              <a:rPr lang="en-GB" sz="1200" dirty="0"/>
+              <a:t>PR #99 solves 3.5 issues</a:t>
+            </a:r>
+          </a:p>
+          <a:p>
+            <a:pPr lvl="2"/>
+            <a:r>
+              <a:rPr lang="en-GB" sz="1200" dirty="0"/>
+              <a:t>Closing remaining issues</a:t>
+            </a:r>
+          </a:p>
+          <a:p>
+            <a:pPr lvl="2"/>
+            <a:r>
+              <a:rPr lang="en-GB" sz="1200" dirty="0"/>
+              <a:t>Not including </a:t>
+            </a:r>
+            <a:r>
+              <a:rPr lang="en-GB" sz="1200" dirty="0" err="1"/>
+              <a:t>SDFlink</a:t>
+            </a:r>
+            <a:r>
+              <a:rPr lang="en-GB" sz="1200" dirty="0"/>
+              <a:t>, will need to re-charter</a:t>
+            </a:r>
+          </a:p>
+          <a:p>
+            <a:pPr lvl="1"/>
+            <a:r>
+              <a:rPr lang="en-GB" sz="1600" dirty="0"/>
               <a:t>Next meeting</a:t>
             </a:r>
           </a:p>
           <a:p>
-            <a:r>
-              <a:rPr lang="en-GB" sz="2000" dirty="0"/>
+            <a:pPr lvl="1"/>
+            <a:r>
+              <a:rPr lang="en-GB" sz="1600" dirty="0"/>
               <a:t>AOB</a:t>
             </a:r>
           </a:p>
